--- a/Presentation..pptx
+++ b/Presentation..pptx
@@ -109,6 +109,11 @@
       </a:defRPr>
     </a:lvl9pPr>
   </p:defaultTextStyle>
+  <p:extLst>
+    <p:ext uri="{EFAFB233-063F-42B5-8137-9DF3F51BA10A}">
+      <p15:sldGuideLst xmlns:p15="http://schemas.microsoft.com/office/powerpoint/2012/main"/>
+    </p:ext>
+  </p:extLst>
 </p:presentation>
 </file>
 
@@ -4796,7 +4801,9 @@
         </p:nvSpPr>
         <p:spPr/>
         <p:txBody>
-          <a:bodyPr/>
+          <a:bodyPr>
+            <a:normAutofit fontScale="92500" lnSpcReduction="20000"/>
+          </a:bodyPr>
           <a:lstStyle/>
           <a:p>
             <a:pPr marL="0" indent="0">
@@ -4834,6 +4841,13 @@
               <a:rPr lang="en-GB" dirty="0"/>
               <a:t>Paint</a:t>
             </a:r>
+          </a:p>
+          <a:p>
+            <a:r>
+              <a:rPr lang="en-GB" dirty="0" err="1"/>
+              <a:t>krita</a:t>
+            </a:r>
+            <a:endParaRPr lang="en-GB" dirty="0"/>
           </a:p>
           <a:p>
             <a:r>

--- a/Presentation..pptx
+++ b/Presentation..pptx
@@ -4845,7 +4845,7 @@
           <a:p>
             <a:r>
               <a:rPr lang="en-GB" dirty="0" err="1"/>
-              <a:t>krita</a:t>
+              <a:t>Krita</a:t>
             </a:r>
             <a:endParaRPr lang="en-GB" dirty="0"/>
           </a:p>
